--- a/PPT.pptx
+++ b/PPT.pptx
@@ -12,6 +12,8 @@
     <p:sldId id="260" r:id="rId6"/>
     <p:sldId id="262" r:id="rId7"/>
     <p:sldId id="261" r:id="rId8"/>
+    <p:sldId id="263" r:id="rId9"/>
+    <p:sldId id="264" r:id="rId10"/>
   </p:sldIdLst>
   <p:sldSz cx="12192000" cy="6858000"/>
   <p:notesSz cx="6858000" cy="9144000"/>
@@ -110,6 +112,11 @@
       </a:defRPr>
     </a:lvl9pPr>
   </p:defaultTextStyle>
+  <p:extLst>
+    <p:ext uri="{EFAFB233-063F-42B5-8137-9DF3F51BA10A}">
+      <p15:sldGuideLst xmlns:p15="http://schemas.microsoft.com/office/powerpoint/2012/main"/>
+    </p:ext>
+  </p:extLst>
 </p:presentation>
 </file>
 
@@ -3098,7 +3105,6 @@
               <a:rPr lang="fr-FR" dirty="0" smtClean="0"/>
               <a:t>Je me demande de quel manières ce que mange influe mon bien-être</a:t>
             </a:r>
-            <a:endParaRPr lang="fr-FR" dirty="0" smtClean="0"/>
           </a:p>
           <a:p>
             <a:endParaRPr lang="fr-FR" dirty="0" smtClean="0"/>
@@ -3306,11 +3312,7 @@
             <a:pPr algn="ctr"/>
             <a:r>
               <a:rPr lang="fr-FR" smtClean="0"/>
-              <a:t>Bien-</a:t>
-            </a:r>
-            <a:r>
-              <a:rPr lang="fr-FR" smtClean="0"/>
-              <a:t>être</a:t>
+              <a:t>Bien-être</a:t>
             </a:r>
             <a:endParaRPr lang="fr-FR" dirty="0"/>
           </a:p>
@@ -3992,9 +3994,173 @@
           <a:p>
             <a:r>
               <a:rPr lang="fr-FR" dirty="0" smtClean="0"/>
-              <a:t>Points important</a:t>
+              <a:t>Story</a:t>
             </a:r>
             <a:endParaRPr lang="fr-FR" dirty="0"/>
+          </a:p>
+        </p:txBody>
+      </p:sp>
+      <p:sp>
+        <p:nvSpPr>
+          <p:cNvPr id="3" name="Rectangle 2"/>
+          <p:cNvSpPr/>
+          <p:nvPr/>
+        </p:nvSpPr>
+        <p:spPr>
+          <a:xfrm>
+            <a:off x="838200" y="1690688"/>
+            <a:ext cx="10515600" cy="3621504"/>
+          </a:xfrm>
+          <a:prstGeom prst="rect">
+            <a:avLst/>
+          </a:prstGeom>
+        </p:spPr>
+        <p:txBody>
+          <a:bodyPr wrap="square">
+            <a:spAutoFit/>
+          </a:bodyPr>
+          <a:lstStyle/>
+          <a:p>
+            <a:pPr>
+              <a:lnSpc>
+                <a:spcPct val="110000"/>
+              </a:lnSpc>
+              <a:spcBef>
+                <a:spcPts val="600"/>
+              </a:spcBef>
+              <a:spcAft>
+                <a:spcPts val="1000"/>
+              </a:spcAft>
+            </a:pPr>
+            <a:r>
+              <a:rPr lang="fr-FR" sz="2000" dirty="0" smtClean="0">
+                <a:solidFill>
+                  <a:srgbClr val="4D322D"/>
+                </a:solidFill>
+                <a:ea typeface="华文新魏" charset="0"/>
+                <a:cs typeface="Times New Roman" charset="0"/>
+              </a:rPr>
+              <a:t>Expérience</a:t>
+            </a:r>
+            <a:r>
+              <a:rPr lang="fr-FR" sz="2000" dirty="0">
+                <a:solidFill>
+                  <a:srgbClr val="4D322D"/>
+                </a:solidFill>
+                <a:ea typeface="华文新魏" charset="0"/>
+                <a:cs typeface="Times New Roman" charset="0"/>
+              </a:rPr>
+              <a:t> : tu as un coup de barre et je me suis posée une question et tu as eu une révélation</a:t>
+            </a:r>
+          </a:p>
+          <a:p>
+            <a:pPr>
+              <a:lnSpc>
+                <a:spcPct val="110000"/>
+              </a:lnSpc>
+              <a:spcBef>
+                <a:spcPts val="600"/>
+              </a:spcBef>
+              <a:spcAft>
+                <a:spcPts val="1000"/>
+              </a:spcAft>
+            </a:pPr>
+            <a:r>
+              <a:rPr lang="fr-FR" sz="2000" dirty="0">
+                <a:solidFill>
+                  <a:srgbClr val="4D322D"/>
+                </a:solidFill>
+                <a:ea typeface="华文新魏" charset="0"/>
+                <a:cs typeface="Times New Roman" charset="0"/>
+              </a:rPr>
+              <a:t>Est-ce que tu t’es déjà demandé si ce que tu manges influence directement ta vie ? </a:t>
+            </a:r>
+          </a:p>
+          <a:p>
+            <a:pPr>
+              <a:lnSpc>
+                <a:spcPct val="110000"/>
+              </a:lnSpc>
+              <a:spcBef>
+                <a:spcPts val="600"/>
+              </a:spcBef>
+              <a:spcAft>
+                <a:spcPts val="1000"/>
+              </a:spcAft>
+            </a:pPr>
+            <a:r>
+              <a:rPr lang="fr-FR" sz="2000" dirty="0">
+                <a:solidFill>
+                  <a:srgbClr val="4D322D"/>
+                </a:solidFill>
+                <a:ea typeface="华文新魏" charset="0"/>
+                <a:cs typeface="Times New Roman" charset="0"/>
+              </a:rPr>
+              <a:t>Ce moment, ou un coup de barre/déprime arrive, on reprend un café ou un coca/thé pour repartir ? Est-ce que c’est la bonne solution la plus adaptée/bonne solution. </a:t>
+            </a:r>
+          </a:p>
+          <a:p>
+            <a:pPr>
+              <a:lnSpc>
+                <a:spcPct val="110000"/>
+              </a:lnSpc>
+              <a:spcBef>
+                <a:spcPts val="600"/>
+              </a:spcBef>
+              <a:spcAft>
+                <a:spcPts val="1000"/>
+              </a:spcAft>
+            </a:pPr>
+            <a:r>
+              <a:rPr lang="fr-FR" sz="2000" dirty="0">
+                <a:solidFill>
+                  <a:srgbClr val="4D322D"/>
+                </a:solidFill>
+                <a:ea typeface="华文新魏" charset="0"/>
+                <a:cs typeface="Times New Roman" charset="0"/>
+              </a:rPr>
+              <a:t>Ce moment, ou un café n’est qu’une solution provisoire face à un coup de barre. N’est-ce pas pire ? </a:t>
+            </a:r>
+          </a:p>
+          <a:p>
+            <a:pPr>
+              <a:lnSpc>
+                <a:spcPct val="110000"/>
+              </a:lnSpc>
+              <a:spcBef>
+                <a:spcPts val="600"/>
+              </a:spcBef>
+              <a:spcAft>
+                <a:spcPts val="1000"/>
+              </a:spcAft>
+            </a:pPr>
+            <a:r>
+              <a:rPr lang="fr-FR" sz="2000" dirty="0">
+                <a:solidFill>
+                  <a:srgbClr val="4D322D"/>
+                </a:solidFill>
+                <a:ea typeface="华文新魏" charset="0"/>
+                <a:cs typeface="Times New Roman" charset="0"/>
+              </a:rPr>
+              <a:t>Surement 80% des personnes ici ont remarqué que mangeais sainement, c’est bon. Mais dans ces 80% qui le fait vraiment, Notre application a pour but de faire en sorte que ce qui y pense devient des personnes qui le font</a:t>
+            </a:r>
+            <a:r>
+              <a:rPr lang="fr-FR" sz="2000" dirty="0" smtClean="0">
+                <a:solidFill>
+                  <a:srgbClr val="4D322D"/>
+                </a:solidFill>
+                <a:ea typeface="华文新魏" charset="0"/>
+                <a:cs typeface="Times New Roman" charset="0"/>
+              </a:rPr>
+              <a:t>.</a:t>
+            </a:r>
+            <a:endParaRPr lang="fr-FR" sz="2000" dirty="0">
+              <a:solidFill>
+                <a:srgbClr val="4D322D"/>
+              </a:solidFill>
+              <a:ea typeface="华文新魏" charset="0"/>
+              <a:cs typeface="Times New Roman" charset="0"/>
+            </a:endParaRPr>
           </a:p>
         </p:txBody>
       </p:sp>
@@ -4002,6 +4168,270 @@
     <p:extLst>
       <p:ext uri="{BB962C8B-B14F-4D97-AF65-F5344CB8AC3E}">
         <p14:creationId xmlns:p14="http://schemas.microsoft.com/office/powerpoint/2010/main" val="282580163"/>
+      </p:ext>
+    </p:extLst>
+  </p:cSld>
+  <p:clrMapOvr>
+    <a:masterClrMapping/>
+  </p:clrMapOvr>
+</p:sld>
+</file>
+
+<file path=ppt/slides/slide8.xml><?xml version="1.0" encoding="utf-8"?>
+<p:sld xmlns:a="http://schemas.openxmlformats.org/drawingml/2006/main" xmlns:r="http://schemas.openxmlformats.org/officeDocument/2006/relationships" xmlns:p="http://schemas.openxmlformats.org/presentationml/2006/main">
+  <p:cSld>
+    <p:spTree>
+      <p:nvGrpSpPr>
+        <p:cNvPr id="1" name=""/>
+        <p:cNvGrpSpPr/>
+        <p:nvPr/>
+      </p:nvGrpSpPr>
+      <p:grpSpPr>
+        <a:xfrm>
+          <a:off x="0" y="0"/>
+          <a:ext cx="0" cy="0"/>
+          <a:chOff x="0" y="0"/>
+          <a:chExt cx="0" cy="0"/>
+        </a:xfrm>
+      </p:grpSpPr>
+      <p:sp>
+        <p:nvSpPr>
+          <p:cNvPr id="2" name="Titre 1"/>
+          <p:cNvSpPr>
+            <a:spLocks noGrp="1"/>
+          </p:cNvSpPr>
+          <p:nvPr>
+            <p:ph type="title"/>
+          </p:nvPr>
+        </p:nvSpPr>
+        <p:spPr/>
+        <p:txBody>
+          <a:bodyPr/>
+          <a:lstStyle/>
+          <a:p>
+            <a:r>
+              <a:rPr lang="fr-FR" dirty="0" smtClean="0"/>
+              <a:t>Story Suite</a:t>
+            </a:r>
+            <a:endParaRPr lang="fr-FR" dirty="0"/>
+          </a:p>
+        </p:txBody>
+      </p:sp>
+      <p:sp>
+        <p:nvSpPr>
+          <p:cNvPr id="3" name="Espace réservé du contenu 2"/>
+          <p:cNvSpPr>
+            <a:spLocks noGrp="1"/>
+          </p:cNvSpPr>
+          <p:nvPr>
+            <p:ph idx="1"/>
+          </p:nvPr>
+        </p:nvSpPr>
+        <p:spPr>
+          <a:xfrm>
+            <a:off x="838200" y="1690688"/>
+            <a:ext cx="10515600" cy="4351338"/>
+          </a:xfrm>
+        </p:spPr>
+        <p:txBody>
+          <a:bodyPr>
+            <a:normAutofit fontScale="92500" lnSpcReduction="20000"/>
+          </a:bodyPr>
+          <a:lstStyle/>
+          <a:p>
+            <a:pPr marL="0" indent="0">
+              <a:lnSpc>
+                <a:spcPct val="110000"/>
+              </a:lnSpc>
+              <a:spcBef>
+                <a:spcPts val="600"/>
+              </a:spcBef>
+              <a:spcAft>
+                <a:spcPts val="1000"/>
+              </a:spcAft>
+              <a:buNone/>
+            </a:pPr>
+            <a:r>
+              <a:rPr lang="fr-FR" dirty="0">
+                <a:solidFill>
+                  <a:srgbClr val="4D322D"/>
+                </a:solidFill>
+                <a:ea typeface="华文新魏" charset="0"/>
+                <a:cs typeface="Times New Roman" charset="0"/>
+              </a:rPr>
+              <a:t>Avec mon équipe, on a cherché un moyen simple et ludique de donner des conseils nutrition. (Bien sûr, ns sommes accompagnés de nutritionniste) Quel est l’avantage d’un nutritionniste de nous suivre ? parti export des stat’ et graphes de l’utilisateur. </a:t>
+            </a:r>
+          </a:p>
+          <a:p>
+            <a:pPr marL="0" indent="0">
+              <a:lnSpc>
+                <a:spcPct val="110000"/>
+              </a:lnSpc>
+              <a:spcBef>
+                <a:spcPts val="600"/>
+              </a:spcBef>
+              <a:spcAft>
+                <a:spcPts val="1000"/>
+              </a:spcAft>
+              <a:buNone/>
+            </a:pPr>
+            <a:r>
+              <a:rPr lang="fr-FR" dirty="0">
+                <a:solidFill>
+                  <a:srgbClr val="4D322D"/>
+                </a:solidFill>
+                <a:ea typeface="华文新魏" charset="0"/>
+                <a:cs typeface="Times New Roman" charset="0"/>
+              </a:rPr>
+              <a:t>On a cherché un moyen et c’est qu’ici est née cary (avec IA Calie/Cortana)</a:t>
+            </a:r>
+          </a:p>
+          <a:p>
+            <a:pPr marL="0" indent="0">
+              <a:lnSpc>
+                <a:spcPct val="110000"/>
+              </a:lnSpc>
+              <a:spcBef>
+                <a:spcPts val="600"/>
+              </a:spcBef>
+              <a:spcAft>
+                <a:spcPts val="1000"/>
+              </a:spcAft>
+              <a:buNone/>
+            </a:pPr>
+            <a:r>
+              <a:rPr lang="fr-FR" dirty="0">
+                <a:solidFill>
+                  <a:srgbClr val="4D322D"/>
+                </a:solidFill>
+                <a:ea typeface="华文新魏" charset="0"/>
+                <a:cs typeface="Times New Roman" charset="0"/>
+              </a:rPr>
+              <a:t>Calie est votre assistante nutrition personnalisé qui s’occupera de vous donner des conseils/des idées recette. Basé sur votre besoins et habitudes nutrition. </a:t>
+            </a:r>
+          </a:p>
+          <a:p>
+            <a:pPr marL="0" indent="0">
+              <a:lnSpc>
+                <a:spcPct val="110000"/>
+              </a:lnSpc>
+              <a:spcBef>
+                <a:spcPts val="600"/>
+              </a:spcBef>
+              <a:spcAft>
+                <a:spcPts val="1000"/>
+              </a:spcAft>
+              <a:buNone/>
+            </a:pPr>
+            <a:r>
+              <a:rPr lang="fr-FR" dirty="0">
+                <a:solidFill>
+                  <a:srgbClr val="4D322D"/>
+                </a:solidFill>
+                <a:ea typeface="华文新魏" charset="0"/>
+                <a:cs typeface="Times New Roman" charset="0"/>
+              </a:rPr>
+              <a:t>Object connecté : balance/montre/frigo/</a:t>
+            </a:r>
+            <a:r>
+              <a:rPr lang="fr-FR" dirty="0" err="1">
+                <a:solidFill>
+                  <a:srgbClr val="4D322D"/>
+                </a:solidFill>
+                <a:ea typeface="华文新魏" charset="0"/>
+                <a:cs typeface="Times New Roman" charset="0"/>
+              </a:rPr>
+              <a:t>sporttracker</a:t>
+            </a:r>
+            <a:endParaRPr lang="fr-FR" dirty="0">
+              <a:solidFill>
+                <a:srgbClr val="4D322D"/>
+              </a:solidFill>
+              <a:ea typeface="华文新魏" charset="0"/>
+              <a:cs typeface="Times New Roman" charset="0"/>
+            </a:endParaRPr>
+          </a:p>
+          <a:p>
+            <a:endParaRPr lang="fr-FR" dirty="0"/>
+          </a:p>
+        </p:txBody>
+      </p:sp>
+    </p:spTree>
+    <p:extLst>
+      <p:ext uri="{BB962C8B-B14F-4D97-AF65-F5344CB8AC3E}">
+        <p14:creationId xmlns:p14="http://schemas.microsoft.com/office/powerpoint/2010/main" val="2094230090"/>
+      </p:ext>
+    </p:extLst>
+  </p:cSld>
+  <p:clrMapOvr>
+    <a:masterClrMapping/>
+  </p:clrMapOvr>
+</p:sld>
+</file>
+
+<file path=ppt/slides/slide9.xml><?xml version="1.0" encoding="utf-8"?>
+<p:sld xmlns:a="http://schemas.openxmlformats.org/drawingml/2006/main" xmlns:r="http://schemas.openxmlformats.org/officeDocument/2006/relationships" xmlns:p="http://schemas.openxmlformats.org/presentationml/2006/main">
+  <p:cSld>
+    <p:spTree>
+      <p:nvGrpSpPr>
+        <p:cNvPr id="1" name=""/>
+        <p:cNvGrpSpPr/>
+        <p:nvPr/>
+      </p:nvGrpSpPr>
+      <p:grpSpPr>
+        <a:xfrm>
+          <a:off x="0" y="0"/>
+          <a:ext cx="0" cy="0"/>
+          <a:chOff x="0" y="0"/>
+          <a:chExt cx="0" cy="0"/>
+        </a:xfrm>
+      </p:grpSpPr>
+      <p:sp>
+        <p:nvSpPr>
+          <p:cNvPr id="2" name="Titre 1"/>
+          <p:cNvSpPr>
+            <a:spLocks noGrp="1"/>
+          </p:cNvSpPr>
+          <p:nvPr>
+            <p:ph type="title"/>
+          </p:nvPr>
+        </p:nvSpPr>
+        <p:spPr/>
+        <p:txBody>
+          <a:bodyPr/>
+          <a:lstStyle/>
+          <a:p>
+            <a:r>
+              <a:rPr lang="fr-FR" dirty="0" smtClean="0"/>
+              <a:t>Pitch</a:t>
+            </a:r>
+            <a:endParaRPr lang="fr-FR" dirty="0"/>
+          </a:p>
+        </p:txBody>
+      </p:sp>
+      <p:sp>
+        <p:nvSpPr>
+          <p:cNvPr id="3" name="Espace réservé du contenu 2"/>
+          <p:cNvSpPr>
+            <a:spLocks noGrp="1"/>
+          </p:cNvSpPr>
+          <p:nvPr>
+            <p:ph idx="1"/>
+          </p:nvPr>
+        </p:nvSpPr>
+        <p:spPr/>
+        <p:txBody>
+          <a:bodyPr/>
+          <a:lstStyle/>
+          <a:p>
+            <a:endParaRPr lang="fr-FR"/>
+          </a:p>
+        </p:txBody>
+      </p:sp>
+    </p:spTree>
+    <p:extLst>
+      <p:ext uri="{BB962C8B-B14F-4D97-AF65-F5344CB8AC3E}">
+        <p14:creationId xmlns:p14="http://schemas.microsoft.com/office/powerpoint/2010/main" val="1526603823"/>
       </p:ext>
     </p:extLst>
   </p:cSld>

--- a/PPT.pptx
+++ b/PPT.pptx
@@ -162,10 +162,9 @@
           </a:lstStyle>
           <a:p>
             <a:r>
-              <a:rPr lang="fr-FR" smtClean="0"/>
+              <a:rPr lang="fr-FR"/>
               <a:t>Cliquez et modifiez le titre</a:t>
             </a:r>
-            <a:endParaRPr lang="fr-FR"/>
           </a:p>
         </p:txBody>
       </p:sp>
@@ -227,10 +226,9 @@
           </a:lstStyle>
           <a:p>
             <a:r>
-              <a:rPr lang="fr-FR" smtClean="0"/>
+              <a:rPr lang="fr-FR"/>
               <a:t>Cliquez pour modifier le style des sous-titres du masque</a:t>
             </a:r>
-            <a:endParaRPr lang="fr-FR"/>
           </a:p>
         </p:txBody>
       </p:sp>
@@ -251,7 +249,7 @@
           <a:p>
             <a:fld id="{A1206B7C-CFED-BC4E-AEE1-204E91C4ECC5}" type="datetimeFigureOut">
               <a:rPr lang="fr-FR" smtClean="0"/>
-              <a:t>10/02/2016</a:t>
+              <a:t>26/04/2016</a:t>
             </a:fld>
             <a:endParaRPr lang="fr-FR"/>
           </a:p>
@@ -293,7 +291,7 @@
           <a:p>
             <a:fld id="{4A5D2BF1-9FDE-5842-8C62-6337161DE8B1}" type="slidenum">
               <a:rPr lang="fr-FR" smtClean="0"/>
-              <a:t>‹#›</a:t>
+              <a:t>‹N°›</a:t>
             </a:fld>
             <a:endParaRPr lang="fr-FR"/>
           </a:p>
@@ -345,10 +343,9 @@
           <a:lstStyle/>
           <a:p>
             <a:r>
-              <a:rPr lang="fr-FR" smtClean="0"/>
+              <a:rPr lang="fr-FR"/>
               <a:t>Cliquez et modifiez le titre</a:t>
             </a:r>
-            <a:endParaRPr lang="fr-FR"/>
           </a:p>
         </p:txBody>
       </p:sp>
@@ -369,38 +366,37 @@
           <a:p>
             <a:pPr lvl="0"/>
             <a:r>
-              <a:rPr lang="fr-FR" smtClean="0"/>
+              <a:rPr lang="fr-FR"/>
               <a:t>Cliquez pour modifier les styles du texte du masque</a:t>
             </a:r>
           </a:p>
           <a:p>
             <a:pPr lvl="1"/>
             <a:r>
-              <a:rPr lang="fr-FR" smtClean="0"/>
+              <a:rPr lang="fr-FR"/>
               <a:t>Deuxième niveau</a:t>
             </a:r>
           </a:p>
           <a:p>
             <a:pPr lvl="2"/>
             <a:r>
-              <a:rPr lang="fr-FR" smtClean="0"/>
+              <a:rPr lang="fr-FR"/>
               <a:t>Troisième niveau</a:t>
             </a:r>
           </a:p>
           <a:p>
             <a:pPr lvl="3"/>
             <a:r>
-              <a:rPr lang="fr-FR" smtClean="0"/>
+              <a:rPr lang="fr-FR"/>
               <a:t>Quatrième niveau</a:t>
             </a:r>
           </a:p>
           <a:p>
             <a:pPr lvl="4"/>
             <a:r>
-              <a:rPr lang="fr-FR" smtClean="0"/>
+              <a:rPr lang="fr-FR"/>
               <a:t>Cinquième niveau</a:t>
             </a:r>
-            <a:endParaRPr lang="fr-FR"/>
           </a:p>
         </p:txBody>
       </p:sp>
@@ -421,7 +417,7 @@
           <a:p>
             <a:fld id="{A1206B7C-CFED-BC4E-AEE1-204E91C4ECC5}" type="datetimeFigureOut">
               <a:rPr lang="fr-FR" smtClean="0"/>
-              <a:t>10/02/2016</a:t>
+              <a:t>26/04/2016</a:t>
             </a:fld>
             <a:endParaRPr lang="fr-FR"/>
           </a:p>
@@ -463,7 +459,7 @@
           <a:p>
             <a:fld id="{4A5D2BF1-9FDE-5842-8C62-6337161DE8B1}" type="slidenum">
               <a:rPr lang="fr-FR" smtClean="0"/>
-              <a:t>‹#›</a:t>
+              <a:t>‹N°›</a:t>
             </a:fld>
             <a:endParaRPr lang="fr-FR"/>
           </a:p>
@@ -520,10 +516,9 @@
           <a:lstStyle/>
           <a:p>
             <a:r>
-              <a:rPr lang="fr-FR" smtClean="0"/>
+              <a:rPr lang="fr-FR"/>
               <a:t>Cliquez et modifiez le titre</a:t>
             </a:r>
-            <a:endParaRPr lang="fr-FR"/>
           </a:p>
         </p:txBody>
       </p:sp>
@@ -549,38 +544,37 @@
           <a:p>
             <a:pPr lvl="0"/>
             <a:r>
-              <a:rPr lang="fr-FR" smtClean="0"/>
+              <a:rPr lang="fr-FR"/>
               <a:t>Cliquez pour modifier les styles du texte du masque</a:t>
             </a:r>
           </a:p>
           <a:p>
             <a:pPr lvl="1"/>
             <a:r>
-              <a:rPr lang="fr-FR" smtClean="0"/>
+              <a:rPr lang="fr-FR"/>
               <a:t>Deuxième niveau</a:t>
             </a:r>
           </a:p>
           <a:p>
             <a:pPr lvl="2"/>
             <a:r>
-              <a:rPr lang="fr-FR" smtClean="0"/>
+              <a:rPr lang="fr-FR"/>
               <a:t>Troisième niveau</a:t>
             </a:r>
           </a:p>
           <a:p>
             <a:pPr lvl="3"/>
             <a:r>
-              <a:rPr lang="fr-FR" smtClean="0"/>
+              <a:rPr lang="fr-FR"/>
               <a:t>Quatrième niveau</a:t>
             </a:r>
           </a:p>
           <a:p>
             <a:pPr lvl="4"/>
             <a:r>
-              <a:rPr lang="fr-FR" smtClean="0"/>
+              <a:rPr lang="fr-FR"/>
               <a:t>Cinquième niveau</a:t>
             </a:r>
-            <a:endParaRPr lang="fr-FR"/>
           </a:p>
         </p:txBody>
       </p:sp>
@@ -601,7 +595,7 @@
           <a:p>
             <a:fld id="{A1206B7C-CFED-BC4E-AEE1-204E91C4ECC5}" type="datetimeFigureOut">
               <a:rPr lang="fr-FR" smtClean="0"/>
-              <a:t>10/02/2016</a:t>
+              <a:t>26/04/2016</a:t>
             </a:fld>
             <a:endParaRPr lang="fr-FR"/>
           </a:p>
@@ -643,7 +637,7 @@
           <a:p>
             <a:fld id="{4A5D2BF1-9FDE-5842-8C62-6337161DE8B1}" type="slidenum">
               <a:rPr lang="fr-FR" smtClean="0"/>
-              <a:t>‹#›</a:t>
+              <a:t>‹N°›</a:t>
             </a:fld>
             <a:endParaRPr lang="fr-FR"/>
           </a:p>
@@ -695,10 +689,9 @@
           <a:lstStyle/>
           <a:p>
             <a:r>
-              <a:rPr lang="fr-FR" smtClean="0"/>
+              <a:rPr lang="fr-FR"/>
               <a:t>Cliquez et modifiez le titre</a:t>
             </a:r>
-            <a:endParaRPr lang="fr-FR"/>
           </a:p>
         </p:txBody>
       </p:sp>
@@ -719,38 +712,37 @@
           <a:p>
             <a:pPr lvl="0"/>
             <a:r>
-              <a:rPr lang="fr-FR" smtClean="0"/>
+              <a:rPr lang="fr-FR"/>
               <a:t>Cliquez pour modifier les styles du texte du masque</a:t>
             </a:r>
           </a:p>
           <a:p>
             <a:pPr lvl="1"/>
             <a:r>
-              <a:rPr lang="fr-FR" smtClean="0"/>
+              <a:rPr lang="fr-FR"/>
               <a:t>Deuxième niveau</a:t>
             </a:r>
           </a:p>
           <a:p>
             <a:pPr lvl="2"/>
             <a:r>
-              <a:rPr lang="fr-FR" smtClean="0"/>
+              <a:rPr lang="fr-FR"/>
               <a:t>Troisième niveau</a:t>
             </a:r>
           </a:p>
           <a:p>
             <a:pPr lvl="3"/>
             <a:r>
-              <a:rPr lang="fr-FR" smtClean="0"/>
+              <a:rPr lang="fr-FR"/>
               <a:t>Quatrième niveau</a:t>
             </a:r>
           </a:p>
           <a:p>
             <a:pPr lvl="4"/>
             <a:r>
-              <a:rPr lang="fr-FR" smtClean="0"/>
+              <a:rPr lang="fr-FR"/>
               <a:t>Cinquième niveau</a:t>
             </a:r>
-            <a:endParaRPr lang="fr-FR"/>
           </a:p>
         </p:txBody>
       </p:sp>
@@ -771,7 +763,7 @@
           <a:p>
             <a:fld id="{A1206B7C-CFED-BC4E-AEE1-204E91C4ECC5}" type="datetimeFigureOut">
               <a:rPr lang="fr-FR" smtClean="0"/>
-              <a:t>10/02/2016</a:t>
+              <a:t>26/04/2016</a:t>
             </a:fld>
             <a:endParaRPr lang="fr-FR"/>
           </a:p>
@@ -813,7 +805,7 @@
           <a:p>
             <a:fld id="{4A5D2BF1-9FDE-5842-8C62-6337161DE8B1}" type="slidenum">
               <a:rPr lang="fr-FR" smtClean="0"/>
-              <a:t>‹#›</a:t>
+              <a:t>‹N°›</a:t>
             </a:fld>
             <a:endParaRPr lang="fr-FR"/>
           </a:p>
@@ -874,10 +866,9 @@
           </a:lstStyle>
           <a:p>
             <a:r>
-              <a:rPr lang="fr-FR" smtClean="0"/>
+              <a:rPr lang="fr-FR"/>
               <a:t>Cliquez et modifiez le titre</a:t>
             </a:r>
-            <a:endParaRPr lang="fr-FR"/>
           </a:p>
         </p:txBody>
       </p:sp>
@@ -994,7 +985,7 @@
           <a:p>
             <a:pPr lvl="0"/>
             <a:r>
-              <a:rPr lang="fr-FR" smtClean="0"/>
+              <a:rPr lang="fr-FR"/>
               <a:t>Cliquez pour modifier les styles du texte du masque</a:t>
             </a:r>
           </a:p>
@@ -1017,7 +1008,7 @@
           <a:p>
             <a:fld id="{A1206B7C-CFED-BC4E-AEE1-204E91C4ECC5}" type="datetimeFigureOut">
               <a:rPr lang="fr-FR" smtClean="0"/>
-              <a:t>10/02/2016</a:t>
+              <a:t>26/04/2016</a:t>
             </a:fld>
             <a:endParaRPr lang="fr-FR"/>
           </a:p>
@@ -1059,7 +1050,7 @@
           <a:p>
             <a:fld id="{4A5D2BF1-9FDE-5842-8C62-6337161DE8B1}" type="slidenum">
               <a:rPr lang="fr-FR" smtClean="0"/>
-              <a:t>‹#›</a:t>
+              <a:t>‹N°›</a:t>
             </a:fld>
             <a:endParaRPr lang="fr-FR"/>
           </a:p>
@@ -1111,10 +1102,9 @@
           <a:lstStyle/>
           <a:p>
             <a:r>
-              <a:rPr lang="fr-FR" smtClean="0"/>
+              <a:rPr lang="fr-FR"/>
               <a:t>Cliquez et modifiez le titre</a:t>
             </a:r>
-            <a:endParaRPr lang="fr-FR"/>
           </a:p>
         </p:txBody>
       </p:sp>
@@ -1140,38 +1130,37 @@
           <a:p>
             <a:pPr lvl="0"/>
             <a:r>
-              <a:rPr lang="fr-FR" smtClean="0"/>
+              <a:rPr lang="fr-FR"/>
               <a:t>Cliquez pour modifier les styles du texte du masque</a:t>
             </a:r>
           </a:p>
           <a:p>
             <a:pPr lvl="1"/>
             <a:r>
-              <a:rPr lang="fr-FR" smtClean="0"/>
+              <a:rPr lang="fr-FR"/>
               <a:t>Deuxième niveau</a:t>
             </a:r>
           </a:p>
           <a:p>
             <a:pPr lvl="2"/>
             <a:r>
-              <a:rPr lang="fr-FR" smtClean="0"/>
+              <a:rPr lang="fr-FR"/>
               <a:t>Troisième niveau</a:t>
             </a:r>
           </a:p>
           <a:p>
             <a:pPr lvl="3"/>
             <a:r>
-              <a:rPr lang="fr-FR" smtClean="0"/>
+              <a:rPr lang="fr-FR"/>
               <a:t>Quatrième niveau</a:t>
             </a:r>
           </a:p>
           <a:p>
             <a:pPr lvl="4"/>
             <a:r>
-              <a:rPr lang="fr-FR" smtClean="0"/>
+              <a:rPr lang="fr-FR"/>
               <a:t>Cinquième niveau</a:t>
             </a:r>
-            <a:endParaRPr lang="fr-FR"/>
           </a:p>
         </p:txBody>
       </p:sp>
@@ -1197,38 +1186,37 @@
           <a:p>
             <a:pPr lvl="0"/>
             <a:r>
-              <a:rPr lang="fr-FR" smtClean="0"/>
+              <a:rPr lang="fr-FR"/>
               <a:t>Cliquez pour modifier les styles du texte du masque</a:t>
             </a:r>
           </a:p>
           <a:p>
             <a:pPr lvl="1"/>
             <a:r>
-              <a:rPr lang="fr-FR" smtClean="0"/>
+              <a:rPr lang="fr-FR"/>
               <a:t>Deuxième niveau</a:t>
             </a:r>
           </a:p>
           <a:p>
             <a:pPr lvl="2"/>
             <a:r>
-              <a:rPr lang="fr-FR" smtClean="0"/>
+              <a:rPr lang="fr-FR"/>
               <a:t>Troisième niveau</a:t>
             </a:r>
           </a:p>
           <a:p>
             <a:pPr lvl="3"/>
             <a:r>
-              <a:rPr lang="fr-FR" smtClean="0"/>
+              <a:rPr lang="fr-FR"/>
               <a:t>Quatrième niveau</a:t>
             </a:r>
           </a:p>
           <a:p>
             <a:pPr lvl="4"/>
             <a:r>
-              <a:rPr lang="fr-FR" smtClean="0"/>
+              <a:rPr lang="fr-FR"/>
               <a:t>Cinquième niveau</a:t>
             </a:r>
-            <a:endParaRPr lang="fr-FR"/>
           </a:p>
         </p:txBody>
       </p:sp>
@@ -1249,7 +1237,7 @@
           <a:p>
             <a:fld id="{A1206B7C-CFED-BC4E-AEE1-204E91C4ECC5}" type="datetimeFigureOut">
               <a:rPr lang="fr-FR" smtClean="0"/>
-              <a:t>10/02/2016</a:t>
+              <a:t>26/04/2016</a:t>
             </a:fld>
             <a:endParaRPr lang="fr-FR"/>
           </a:p>
@@ -1291,7 +1279,7 @@
           <a:p>
             <a:fld id="{4A5D2BF1-9FDE-5842-8C62-6337161DE8B1}" type="slidenum">
               <a:rPr lang="fr-FR" smtClean="0"/>
-              <a:t>‹#›</a:t>
+              <a:t>‹N°›</a:t>
             </a:fld>
             <a:endParaRPr lang="fr-FR"/>
           </a:p>
@@ -1348,10 +1336,9 @@
           <a:lstStyle/>
           <a:p>
             <a:r>
-              <a:rPr lang="fr-FR" smtClean="0"/>
+              <a:rPr lang="fr-FR"/>
               <a:t>Cliquez et modifiez le titre</a:t>
             </a:r>
-            <a:endParaRPr lang="fr-FR"/>
           </a:p>
         </p:txBody>
       </p:sp>
@@ -1414,7 +1401,7 @@
           <a:p>
             <a:pPr lvl="0"/>
             <a:r>
-              <a:rPr lang="fr-FR" smtClean="0"/>
+              <a:rPr lang="fr-FR"/>
               <a:t>Cliquez pour modifier les styles du texte du masque</a:t>
             </a:r>
           </a:p>
@@ -1442,38 +1429,37 @@
           <a:p>
             <a:pPr lvl="0"/>
             <a:r>
-              <a:rPr lang="fr-FR" smtClean="0"/>
+              <a:rPr lang="fr-FR"/>
               <a:t>Cliquez pour modifier les styles du texte du masque</a:t>
             </a:r>
           </a:p>
           <a:p>
             <a:pPr lvl="1"/>
             <a:r>
-              <a:rPr lang="fr-FR" smtClean="0"/>
+              <a:rPr lang="fr-FR"/>
               <a:t>Deuxième niveau</a:t>
             </a:r>
           </a:p>
           <a:p>
             <a:pPr lvl="2"/>
             <a:r>
-              <a:rPr lang="fr-FR" smtClean="0"/>
+              <a:rPr lang="fr-FR"/>
               <a:t>Troisième niveau</a:t>
             </a:r>
           </a:p>
           <a:p>
             <a:pPr lvl="3"/>
             <a:r>
-              <a:rPr lang="fr-FR" smtClean="0"/>
+              <a:rPr lang="fr-FR"/>
               <a:t>Quatrième niveau</a:t>
             </a:r>
           </a:p>
           <a:p>
             <a:pPr lvl="4"/>
             <a:r>
-              <a:rPr lang="fr-FR" smtClean="0"/>
+              <a:rPr lang="fr-FR"/>
               <a:t>Cinquième niveau</a:t>
             </a:r>
-            <a:endParaRPr lang="fr-FR"/>
           </a:p>
         </p:txBody>
       </p:sp>
@@ -1536,7 +1522,7 @@
           <a:p>
             <a:pPr lvl="0"/>
             <a:r>
-              <a:rPr lang="fr-FR" smtClean="0"/>
+              <a:rPr lang="fr-FR"/>
               <a:t>Cliquez pour modifier les styles du texte du masque</a:t>
             </a:r>
           </a:p>
@@ -1564,38 +1550,37 @@
           <a:p>
             <a:pPr lvl="0"/>
             <a:r>
-              <a:rPr lang="fr-FR" smtClean="0"/>
+              <a:rPr lang="fr-FR"/>
               <a:t>Cliquez pour modifier les styles du texte du masque</a:t>
             </a:r>
           </a:p>
           <a:p>
             <a:pPr lvl="1"/>
             <a:r>
-              <a:rPr lang="fr-FR" smtClean="0"/>
+              <a:rPr lang="fr-FR"/>
               <a:t>Deuxième niveau</a:t>
             </a:r>
           </a:p>
           <a:p>
             <a:pPr lvl="2"/>
             <a:r>
-              <a:rPr lang="fr-FR" smtClean="0"/>
+              <a:rPr lang="fr-FR"/>
               <a:t>Troisième niveau</a:t>
             </a:r>
           </a:p>
           <a:p>
             <a:pPr lvl="3"/>
             <a:r>
-              <a:rPr lang="fr-FR" smtClean="0"/>
+              <a:rPr lang="fr-FR"/>
               <a:t>Quatrième niveau</a:t>
             </a:r>
           </a:p>
           <a:p>
             <a:pPr lvl="4"/>
             <a:r>
-              <a:rPr lang="fr-FR" smtClean="0"/>
+              <a:rPr lang="fr-FR"/>
               <a:t>Cinquième niveau</a:t>
             </a:r>
-            <a:endParaRPr lang="fr-FR"/>
           </a:p>
         </p:txBody>
       </p:sp>
@@ -1616,7 +1601,7 @@
           <a:p>
             <a:fld id="{A1206B7C-CFED-BC4E-AEE1-204E91C4ECC5}" type="datetimeFigureOut">
               <a:rPr lang="fr-FR" smtClean="0"/>
-              <a:t>10/02/2016</a:t>
+              <a:t>26/04/2016</a:t>
             </a:fld>
             <a:endParaRPr lang="fr-FR"/>
           </a:p>
@@ -1658,7 +1643,7 @@
           <a:p>
             <a:fld id="{4A5D2BF1-9FDE-5842-8C62-6337161DE8B1}" type="slidenum">
               <a:rPr lang="fr-FR" smtClean="0"/>
-              <a:t>‹#›</a:t>
+              <a:t>‹N°›</a:t>
             </a:fld>
             <a:endParaRPr lang="fr-FR"/>
           </a:p>
@@ -1710,10 +1695,9 @@
           <a:lstStyle/>
           <a:p>
             <a:r>
-              <a:rPr lang="fr-FR" smtClean="0"/>
+              <a:rPr lang="fr-FR"/>
               <a:t>Cliquez et modifiez le titre</a:t>
             </a:r>
-            <a:endParaRPr lang="fr-FR"/>
           </a:p>
         </p:txBody>
       </p:sp>
@@ -1734,7 +1718,7 @@
           <a:p>
             <a:fld id="{A1206B7C-CFED-BC4E-AEE1-204E91C4ECC5}" type="datetimeFigureOut">
               <a:rPr lang="fr-FR" smtClean="0"/>
-              <a:t>10/02/2016</a:t>
+              <a:t>26/04/2016</a:t>
             </a:fld>
             <a:endParaRPr lang="fr-FR"/>
           </a:p>
@@ -1776,7 +1760,7 @@
           <a:p>
             <a:fld id="{4A5D2BF1-9FDE-5842-8C62-6337161DE8B1}" type="slidenum">
               <a:rPr lang="fr-FR" smtClean="0"/>
-              <a:t>‹#›</a:t>
+              <a:t>‹N°›</a:t>
             </a:fld>
             <a:endParaRPr lang="fr-FR"/>
           </a:p>
@@ -1829,7 +1813,7 @@
           <a:p>
             <a:fld id="{A1206B7C-CFED-BC4E-AEE1-204E91C4ECC5}" type="datetimeFigureOut">
               <a:rPr lang="fr-FR" smtClean="0"/>
-              <a:t>10/02/2016</a:t>
+              <a:t>26/04/2016</a:t>
             </a:fld>
             <a:endParaRPr lang="fr-FR"/>
           </a:p>
@@ -1871,7 +1855,7 @@
           <a:p>
             <a:fld id="{4A5D2BF1-9FDE-5842-8C62-6337161DE8B1}" type="slidenum">
               <a:rPr lang="fr-FR" smtClean="0"/>
-              <a:t>‹#›</a:t>
+              <a:t>‹N°›</a:t>
             </a:fld>
             <a:endParaRPr lang="fr-FR"/>
           </a:p>
@@ -1932,10 +1916,9 @@
           </a:lstStyle>
           <a:p>
             <a:r>
-              <a:rPr lang="fr-FR" smtClean="0"/>
+              <a:rPr lang="fr-FR"/>
               <a:t>Cliquez et modifiez le titre</a:t>
             </a:r>
-            <a:endParaRPr lang="fr-FR"/>
           </a:p>
         </p:txBody>
       </p:sp>
@@ -1989,38 +1972,37 @@
           <a:p>
             <a:pPr lvl="0"/>
             <a:r>
-              <a:rPr lang="fr-FR" smtClean="0"/>
+              <a:rPr lang="fr-FR"/>
               <a:t>Cliquez pour modifier les styles du texte du masque</a:t>
             </a:r>
           </a:p>
           <a:p>
             <a:pPr lvl="1"/>
             <a:r>
-              <a:rPr lang="fr-FR" smtClean="0"/>
+              <a:rPr lang="fr-FR"/>
               <a:t>Deuxième niveau</a:t>
             </a:r>
           </a:p>
           <a:p>
             <a:pPr lvl="2"/>
             <a:r>
-              <a:rPr lang="fr-FR" smtClean="0"/>
+              <a:rPr lang="fr-FR"/>
               <a:t>Troisième niveau</a:t>
             </a:r>
           </a:p>
           <a:p>
             <a:pPr lvl="3"/>
             <a:r>
-              <a:rPr lang="fr-FR" smtClean="0"/>
+              <a:rPr lang="fr-FR"/>
               <a:t>Quatrième niveau</a:t>
             </a:r>
           </a:p>
           <a:p>
             <a:pPr lvl="4"/>
             <a:r>
-              <a:rPr lang="fr-FR" smtClean="0"/>
+              <a:rPr lang="fr-FR"/>
               <a:t>Cinquième niveau</a:t>
             </a:r>
-            <a:endParaRPr lang="fr-FR"/>
           </a:p>
         </p:txBody>
       </p:sp>
@@ -2083,7 +2065,7 @@
           <a:p>
             <a:pPr lvl="0"/>
             <a:r>
-              <a:rPr lang="fr-FR" smtClean="0"/>
+              <a:rPr lang="fr-FR"/>
               <a:t>Cliquez pour modifier les styles du texte du masque</a:t>
             </a:r>
           </a:p>
@@ -2106,7 +2088,7 @@
           <a:p>
             <a:fld id="{A1206B7C-CFED-BC4E-AEE1-204E91C4ECC5}" type="datetimeFigureOut">
               <a:rPr lang="fr-FR" smtClean="0"/>
-              <a:t>10/02/2016</a:t>
+              <a:t>26/04/2016</a:t>
             </a:fld>
             <a:endParaRPr lang="fr-FR"/>
           </a:p>
@@ -2148,7 +2130,7 @@
           <a:p>
             <a:fld id="{4A5D2BF1-9FDE-5842-8C62-6337161DE8B1}" type="slidenum">
               <a:rPr lang="fr-FR" smtClean="0"/>
-              <a:t>‹#›</a:t>
+              <a:t>‹N°›</a:t>
             </a:fld>
             <a:endParaRPr lang="fr-FR"/>
           </a:p>
@@ -2209,10 +2191,9 @@
           </a:lstStyle>
           <a:p>
             <a:r>
-              <a:rPr lang="fr-FR" smtClean="0"/>
+              <a:rPr lang="fr-FR"/>
               <a:t>Cliquez et modifiez le titre</a:t>
             </a:r>
-            <a:endParaRPr lang="fr-FR"/>
           </a:p>
         </p:txBody>
       </p:sp>
@@ -2336,7 +2317,7 @@
           <a:p>
             <a:pPr lvl="0"/>
             <a:r>
-              <a:rPr lang="fr-FR" smtClean="0"/>
+              <a:rPr lang="fr-FR"/>
               <a:t>Cliquez pour modifier les styles du texte du masque</a:t>
             </a:r>
           </a:p>
@@ -2359,7 +2340,7 @@
           <a:p>
             <a:fld id="{A1206B7C-CFED-BC4E-AEE1-204E91C4ECC5}" type="datetimeFigureOut">
               <a:rPr lang="fr-FR" smtClean="0"/>
-              <a:t>10/02/2016</a:t>
+              <a:t>26/04/2016</a:t>
             </a:fld>
             <a:endParaRPr lang="fr-FR"/>
           </a:p>
@@ -2401,7 +2382,7 @@
           <a:p>
             <a:fld id="{4A5D2BF1-9FDE-5842-8C62-6337161DE8B1}" type="slidenum">
               <a:rPr lang="fr-FR" smtClean="0"/>
-              <a:t>‹#›</a:t>
+              <a:t>‹N°›</a:t>
             </a:fld>
             <a:endParaRPr lang="fr-FR"/>
           </a:p>
@@ -2468,10 +2449,9 @@
           <a:lstStyle/>
           <a:p>
             <a:r>
-              <a:rPr lang="fr-FR" smtClean="0"/>
+              <a:rPr lang="fr-FR"/>
               <a:t>Cliquez et modifiez le titre</a:t>
             </a:r>
-            <a:endParaRPr lang="fr-FR"/>
           </a:p>
         </p:txBody>
       </p:sp>
@@ -2502,38 +2482,37 @@
           <a:p>
             <a:pPr lvl="0"/>
             <a:r>
-              <a:rPr lang="fr-FR" smtClean="0"/>
+              <a:rPr lang="fr-FR"/>
               <a:t>Cliquez pour modifier les styles du texte du masque</a:t>
             </a:r>
           </a:p>
           <a:p>
             <a:pPr lvl="1"/>
             <a:r>
-              <a:rPr lang="fr-FR" smtClean="0"/>
+              <a:rPr lang="fr-FR"/>
               <a:t>Deuxième niveau</a:t>
             </a:r>
           </a:p>
           <a:p>
             <a:pPr lvl="2"/>
             <a:r>
-              <a:rPr lang="fr-FR" smtClean="0"/>
+              <a:rPr lang="fr-FR"/>
               <a:t>Troisième niveau</a:t>
             </a:r>
           </a:p>
           <a:p>
             <a:pPr lvl="3"/>
             <a:r>
-              <a:rPr lang="fr-FR" smtClean="0"/>
+              <a:rPr lang="fr-FR"/>
               <a:t>Quatrième niveau</a:t>
             </a:r>
           </a:p>
           <a:p>
             <a:pPr lvl="4"/>
             <a:r>
-              <a:rPr lang="fr-FR" smtClean="0"/>
+              <a:rPr lang="fr-FR"/>
               <a:t>Cinquième niveau</a:t>
             </a:r>
-            <a:endParaRPr lang="fr-FR"/>
           </a:p>
         </p:txBody>
       </p:sp>
@@ -2572,7 +2551,7 @@
           <a:p>
             <a:fld id="{A1206B7C-CFED-BC4E-AEE1-204E91C4ECC5}" type="datetimeFigureOut">
               <a:rPr lang="fr-FR" smtClean="0"/>
-              <a:t>10/02/2016</a:t>
+              <a:t>26/04/2016</a:t>
             </a:fld>
             <a:endParaRPr lang="fr-FR"/>
           </a:p>
@@ -2650,7 +2629,7 @@
           <a:p>
             <a:fld id="{4A5D2BF1-9FDE-5842-8C62-6337161DE8B1}" type="slidenum">
               <a:rPr lang="fr-FR" smtClean="0"/>
-              <a:t>‹#›</a:t>
+              <a:t>‹N°›</a:t>
             </a:fld>
             <a:endParaRPr lang="fr-FR"/>
           </a:p>
@@ -2993,10 +2972,9 @@
           <a:lstStyle/>
           <a:p>
             <a:r>
-              <a:rPr lang="fr-FR" dirty="0" smtClean="0"/>
+              <a:rPr lang="fr-FR" dirty="0"/>
               <a:t>Cary</a:t>
             </a:r>
-            <a:endParaRPr lang="fr-FR" dirty="0"/>
           </a:p>
         </p:txBody>
       </p:sp>
@@ -3016,12 +2994,12 @@
           <a:lstStyle/>
           <a:p>
             <a:r>
-              <a:rPr lang="fr-FR" dirty="0" smtClean="0"/>
+              <a:rPr lang="fr-FR" dirty="0"/>
               <a:t>L’assistante </a:t>
             </a:r>
             <a:r>
-              <a:rPr lang="fr-FR" dirty="0" err="1" smtClean="0"/>
-              <a:t>nutrisson</a:t>
+              <a:rPr lang="fr-FR" dirty="0" err="1"/>
+              <a:t>nutrission</a:t>
             </a:r>
             <a:endParaRPr lang="fr-FR" dirty="0"/>
           </a:p>
@@ -3073,41 +3051,40 @@
           <a:lstStyle/>
           <a:p>
             <a:r>
-              <a:rPr lang="fr-FR" dirty="0" smtClean="0"/>
+              <a:rPr lang="fr-FR" dirty="0"/>
               <a:t>Problématique</a:t>
             </a:r>
+          </a:p>
+        </p:txBody>
+      </p:sp>
+      <p:sp>
+        <p:nvSpPr>
+          <p:cNvPr id="3" name="Espace réservé du contenu 2"/>
+          <p:cNvSpPr>
+            <a:spLocks noGrp="1"/>
+          </p:cNvSpPr>
+          <p:nvPr>
+            <p:ph idx="1"/>
+          </p:nvPr>
+        </p:nvSpPr>
+        <p:spPr/>
+        <p:txBody>
+          <a:bodyPr/>
+          <a:lstStyle/>
+          <a:p>
+            <a:r>
+              <a:rPr lang="fr-FR" dirty="0"/>
+              <a:t>Je ne sais pas comment combler mes apports nutritif</a:t>
+            </a:r>
+          </a:p>
+          <a:p>
+            <a:r>
+              <a:rPr lang="fr-FR" dirty="0"/>
+              <a:t>Je me demande de quel manières ce que mange influe mon bien-être</a:t>
+            </a:r>
+          </a:p>
+          <a:p>
             <a:endParaRPr lang="fr-FR" dirty="0"/>
-          </a:p>
-        </p:txBody>
-      </p:sp>
-      <p:sp>
-        <p:nvSpPr>
-          <p:cNvPr id="3" name="Espace réservé du contenu 2"/>
-          <p:cNvSpPr>
-            <a:spLocks noGrp="1"/>
-          </p:cNvSpPr>
-          <p:nvPr>
-            <p:ph idx="1"/>
-          </p:nvPr>
-        </p:nvSpPr>
-        <p:spPr/>
-        <p:txBody>
-          <a:bodyPr/>
-          <a:lstStyle/>
-          <a:p>
-            <a:r>
-              <a:rPr lang="fr-FR" dirty="0" smtClean="0"/>
-              <a:t>Je ne sais pas comment combler mes apports nutritif</a:t>
-            </a:r>
-          </a:p>
-          <a:p>
-            <a:r>
-              <a:rPr lang="fr-FR" dirty="0" smtClean="0"/>
-              <a:t>Je me demande de quel manières ce que mange influe mon bien-être</a:t>
-            </a:r>
-          </a:p>
-          <a:p>
-            <a:endParaRPr lang="fr-FR" dirty="0" smtClean="0"/>
           </a:p>
           <a:p>
             <a:endParaRPr lang="fr-FR" dirty="0"/>
@@ -3160,10 +3137,9 @@
           <a:lstStyle/>
           <a:p>
             <a:r>
-              <a:rPr lang="fr-FR" dirty="0" smtClean="0"/>
+              <a:rPr lang="fr-FR" dirty="0"/>
               <a:t>Question</a:t>
             </a:r>
-            <a:endParaRPr lang="fr-FR" dirty="0"/>
           </a:p>
         </p:txBody>
       </p:sp>
@@ -3186,7 +3162,7 @@
               <a:buNone/>
             </a:pPr>
             <a:r>
-              <a:rPr lang="fr-FR" dirty="0" smtClean="0"/>
+              <a:rPr lang="fr-FR" dirty="0"/>
               <a:t>T’est tu déjà demandé si ce que tu mangeais influençais ta façons de vivre ?</a:t>
             </a:r>
           </a:p>
@@ -3201,7 +3177,7 @@
               <a:buNone/>
             </a:pPr>
             <a:r>
-              <a:rPr lang="fr-FR" dirty="0" smtClean="0"/>
+              <a:rPr lang="fr-FR" dirty="0"/>
               <a:t>On a tous eus un cous de bard ou de déprime dans la journée sans réellement savoir pourquoi.</a:t>
             </a:r>
           </a:p>
@@ -3267,10 +3243,9 @@
           <a:lstStyle/>
           <a:p>
             <a:r>
-              <a:rPr lang="fr-FR" dirty="0" smtClean="0"/>
+              <a:rPr lang="fr-FR" dirty="0"/>
               <a:t>Points Positif Solution</a:t>
             </a:r>
-            <a:endParaRPr lang="fr-FR" dirty="0"/>
           </a:p>
         </p:txBody>
       </p:sp>
@@ -3311,7 +3286,7 @@
           <a:p>
             <a:pPr algn="ctr"/>
             <a:r>
-              <a:rPr lang="fr-FR" smtClean="0"/>
+              <a:rPr lang="fr-FR"/>
               <a:t>Bien-être</a:t>
             </a:r>
             <a:endParaRPr lang="fr-FR" dirty="0"/>
@@ -3355,10 +3330,9 @@
           <a:p>
             <a:pPr algn="ctr"/>
             <a:r>
-              <a:rPr lang="fr-FR" dirty="0" smtClean="0"/>
+              <a:rPr lang="fr-FR" dirty="0"/>
               <a:t>Ce sentir accompagner</a:t>
             </a:r>
-            <a:endParaRPr lang="fr-FR" dirty="0"/>
           </a:p>
         </p:txBody>
       </p:sp>
@@ -3399,10 +3373,9 @@
           <a:p>
             <a:pPr algn="ctr"/>
             <a:r>
-              <a:rPr lang="fr-FR" dirty="0" smtClean="0"/>
+              <a:rPr lang="fr-FR" dirty="0"/>
               <a:t>Savoir quoi mangé</a:t>
             </a:r>
-            <a:endParaRPr lang="fr-FR" dirty="0"/>
           </a:p>
         </p:txBody>
       </p:sp>
@@ -3443,10 +3416,9 @@
           <a:p>
             <a:pPr algn="ctr"/>
             <a:r>
-              <a:rPr lang="fr-FR" dirty="0" smtClean="0"/>
+              <a:rPr lang="fr-FR" dirty="0"/>
               <a:t>Gain de temps</a:t>
             </a:r>
-            <a:endParaRPr lang="fr-FR" dirty="0"/>
           </a:p>
         </p:txBody>
       </p:sp>
@@ -3487,10 +3459,9 @@
           <a:p>
             <a:pPr algn="ctr"/>
             <a:r>
-              <a:rPr lang="fr-FR" dirty="0" smtClean="0"/>
+              <a:rPr lang="fr-FR" dirty="0"/>
               <a:t>Définir des objectifs</a:t>
             </a:r>
-            <a:endParaRPr lang="fr-FR" dirty="0"/>
           </a:p>
         </p:txBody>
       </p:sp>
@@ -3531,10 +3502,9 @@
           <a:p>
             <a:pPr algn="ctr"/>
             <a:r>
-              <a:rPr lang="fr-FR" dirty="0" smtClean="0"/>
+              <a:rPr lang="fr-FR" dirty="0"/>
               <a:t>Suivit / Récapitulatif</a:t>
             </a:r>
-            <a:endParaRPr lang="fr-FR" dirty="0"/>
           </a:p>
         </p:txBody>
       </p:sp>
@@ -3586,10 +3556,9 @@
           <a:lstStyle/>
           <a:p>
             <a:r>
-              <a:rPr lang="fr-FR" dirty="0" smtClean="0"/>
+              <a:rPr lang="fr-FR" dirty="0"/>
               <a:t>Points Bloquant</a:t>
             </a:r>
-            <a:endParaRPr lang="fr-FR" dirty="0"/>
           </a:p>
         </p:txBody>
       </p:sp>
@@ -3633,10 +3602,9 @@
           <a:p>
             <a:pPr algn="ctr"/>
             <a:r>
-              <a:rPr lang="fr-FR" dirty="0" smtClean="0"/>
+              <a:rPr lang="fr-FR" dirty="0"/>
               <a:t>Connaissance Nutrition</a:t>
             </a:r>
-            <a:endParaRPr lang="fr-FR" dirty="0"/>
           </a:p>
         </p:txBody>
       </p:sp>
@@ -3680,10 +3648,9 @@
           <a:p>
             <a:pPr algn="ctr"/>
             <a:r>
-              <a:rPr lang="fr-FR" dirty="0" smtClean="0"/>
+              <a:rPr lang="fr-FR" dirty="0"/>
               <a:t>Design</a:t>
             </a:r>
-            <a:endParaRPr lang="fr-FR" dirty="0"/>
           </a:p>
         </p:txBody>
       </p:sp>
@@ -3727,10 +3694,9 @@
           <a:p>
             <a:pPr algn="ctr"/>
             <a:r>
-              <a:rPr lang="fr-FR" dirty="0" smtClean="0"/>
+              <a:rPr lang="fr-FR" dirty="0"/>
               <a:t>Apps Intrusif</a:t>
             </a:r>
-            <a:endParaRPr lang="fr-FR" dirty="0"/>
           </a:p>
         </p:txBody>
       </p:sp>
@@ -3774,17 +3740,16 @@
           <a:p>
             <a:pPr algn="ctr"/>
             <a:r>
-              <a:rPr lang="fr-FR" dirty="0" smtClean="0"/>
+              <a:rPr lang="fr-FR" dirty="0"/>
               <a:t>Limite/Sécurité/Fonction</a:t>
             </a:r>
           </a:p>
           <a:p>
             <a:pPr algn="ctr"/>
             <a:r>
-              <a:rPr lang="fr-FR" dirty="0" smtClean="0"/>
+              <a:rPr lang="fr-FR" dirty="0"/>
               <a:t>Smartphone</a:t>
             </a:r>
-            <a:endParaRPr lang="fr-FR" dirty="0"/>
           </a:p>
         </p:txBody>
       </p:sp>
@@ -3834,10 +3799,9 @@
           <a:lstStyle/>
           <a:p>
             <a:r>
-              <a:rPr lang="fr-FR" dirty="0" smtClean="0"/>
+              <a:rPr lang="fr-FR" dirty="0"/>
               <a:t>Fonctionnalités</a:t>
             </a:r>
-            <a:endParaRPr lang="fr-FR" dirty="0"/>
           </a:p>
         </p:txBody>
       </p:sp>
@@ -3862,17 +3826,17 @@
               <a:buNone/>
             </a:pPr>
             <a:r>
-              <a:rPr lang="fr-FR" dirty="0" err="1" smtClean="0"/>
+              <a:rPr lang="fr-FR" dirty="0" err="1"/>
               <a:t>Gammafication</a:t>
             </a:r>
-            <a:endParaRPr lang="fr-FR" dirty="0" smtClean="0"/>
+            <a:endParaRPr lang="fr-FR" dirty="0"/>
           </a:p>
           <a:p>
             <a:pPr marL="0" indent="0">
               <a:buNone/>
             </a:pPr>
             <a:r>
-              <a:rPr lang="fr-FR" dirty="0" smtClean="0"/>
+              <a:rPr lang="fr-FR" dirty="0"/>
               <a:t>Dialogue IA Textuelle</a:t>
             </a:r>
           </a:p>
@@ -3881,7 +3845,7 @@
               <a:buNone/>
             </a:pPr>
             <a:r>
-              <a:rPr lang="fr-FR" dirty="0" smtClean="0"/>
+              <a:rPr lang="fr-FR" dirty="0"/>
               <a:t>Proposition alimentation Journalière</a:t>
             </a:r>
           </a:p>
@@ -3890,21 +3854,21 @@
               <a:buNone/>
             </a:pPr>
             <a:r>
-              <a:rPr lang="fr-FR" dirty="0" smtClean="0"/>
+              <a:rPr lang="fr-FR" dirty="0"/>
               <a:t>Proposition de course hebdomadaire, mensuel, </a:t>
             </a:r>
             <a:r>
-              <a:rPr lang="fr-FR" dirty="0" err="1" smtClean="0"/>
+              <a:rPr lang="fr-FR" dirty="0" err="1"/>
               <a:t>nbJours</a:t>
             </a:r>
-            <a:endParaRPr lang="fr-FR" dirty="0" smtClean="0"/>
+            <a:endParaRPr lang="fr-FR" dirty="0"/>
           </a:p>
           <a:p>
             <a:pPr marL="0" indent="0">
               <a:buNone/>
             </a:pPr>
             <a:r>
-              <a:rPr lang="fr-FR" dirty="0" smtClean="0"/>
+              <a:rPr lang="fr-FR" dirty="0"/>
               <a:t>Machine Learning habitude</a:t>
             </a:r>
           </a:p>
@@ -3913,7 +3877,7 @@
               <a:buNone/>
             </a:pPr>
             <a:r>
-              <a:rPr lang="fr-FR" dirty="0" smtClean="0"/>
+              <a:rPr lang="fr-FR" dirty="0"/>
               <a:t>Suivit / Récapitulatif</a:t>
             </a:r>
           </a:p>
@@ -3922,7 +3886,7 @@
               <a:buNone/>
             </a:pPr>
             <a:r>
-              <a:rPr lang="fr-FR" dirty="0" smtClean="0"/>
+              <a:rPr lang="fr-FR" dirty="0"/>
               <a:t>Création Objectif</a:t>
             </a:r>
           </a:p>
@@ -3931,7 +3895,7 @@
               <a:buNone/>
             </a:pPr>
             <a:r>
-              <a:rPr lang="fr-FR" dirty="0" smtClean="0"/>
+              <a:rPr lang="fr-FR" dirty="0"/>
               <a:t>Connexion Objets connectés</a:t>
             </a:r>
           </a:p>
@@ -3940,10 +3904,9 @@
               <a:buNone/>
             </a:pPr>
             <a:r>
-              <a:rPr lang="fr-FR" dirty="0" smtClean="0"/>
+              <a:rPr lang="fr-FR" dirty="0"/>
               <a:t>Bon conseil</a:t>
             </a:r>
-            <a:endParaRPr lang="fr-FR" dirty="0"/>
           </a:p>
         </p:txBody>
       </p:sp>
@@ -3993,10 +3956,9 @@
           <a:lstStyle/>
           <a:p>
             <a:r>
-              <a:rPr lang="fr-FR" dirty="0" smtClean="0"/>
+              <a:rPr lang="fr-FR" dirty="0"/>
               <a:t>Story</a:t>
             </a:r>
-            <a:endParaRPr lang="fr-FR" dirty="0"/>
           </a:p>
         </p:txBody>
       </p:sp>
@@ -4033,16 +3995,6 @@
               </a:spcAft>
             </a:pPr>
             <a:r>
-              <a:rPr lang="fr-FR" sz="2000" dirty="0" smtClean="0">
-                <a:solidFill>
-                  <a:srgbClr val="4D322D"/>
-                </a:solidFill>
-                <a:ea typeface="华文新魏" charset="0"/>
-                <a:cs typeface="Times New Roman" charset="0"/>
-              </a:rPr>
-              <a:t>Expérience</a:t>
-            </a:r>
-            <a:r>
               <a:rPr lang="fr-FR" sz="2000" dirty="0">
                 <a:solidFill>
                   <a:srgbClr val="4D322D"/>
@@ -4050,7 +4002,7 @@
                 <a:ea typeface="华文新魏" charset="0"/>
                 <a:cs typeface="Times New Roman" charset="0"/>
               </a:rPr>
-              <a:t> : tu as un coup de barre et je me suis posée une question et tu as eu une révélation</a:t>
+              <a:t>Expérience : tu as un coup de barre et je me suis posée une question et tu as eu une révélation</a:t>
             </a:r>
           </a:p>
           <a:p>
@@ -4142,25 +4094,8 @@
                 <a:ea typeface="华文新魏" charset="0"/>
                 <a:cs typeface="Times New Roman" charset="0"/>
               </a:rPr>
-              <a:t>Surement 80% des personnes ici ont remarqué que mangeais sainement, c’est bon. Mais dans ces 80% qui le fait vraiment, Notre application a pour but de faire en sorte que ce qui y pense devient des personnes qui le font</a:t>
-            </a:r>
-            <a:r>
-              <a:rPr lang="fr-FR" sz="2000" dirty="0" smtClean="0">
-                <a:solidFill>
-                  <a:srgbClr val="4D322D"/>
-                </a:solidFill>
-                <a:ea typeface="华文新魏" charset="0"/>
-                <a:cs typeface="Times New Roman" charset="0"/>
-              </a:rPr>
-              <a:t>.</a:t>
-            </a:r>
-            <a:endParaRPr lang="fr-FR" sz="2000" dirty="0">
-              <a:solidFill>
-                <a:srgbClr val="4D322D"/>
-              </a:solidFill>
-              <a:ea typeface="华文新魏" charset="0"/>
-              <a:cs typeface="Times New Roman" charset="0"/>
-            </a:endParaRPr>
+              <a:t>Surement 80% des personnes ici ont remarqué que mangeais sainement, c’est bon. Mais dans ces 80% qui le fait vraiment, Notre application a pour but de faire en sorte que ce qui y pense devient des personnes qui le font.</a:t>
+            </a:r>
           </a:p>
         </p:txBody>
       </p:sp>
@@ -4210,10 +4145,9 @@
           <a:lstStyle/>
           <a:p>
             <a:r>
-              <a:rPr lang="fr-FR" dirty="0" smtClean="0"/>
+              <a:rPr lang="fr-FR" dirty="0"/>
               <a:t>Story Suite</a:t>
             </a:r>
-            <a:endParaRPr lang="fr-FR" dirty="0"/>
           </a:p>
         </p:txBody>
       </p:sp>
@@ -4402,10 +4336,9 @@
           <a:lstStyle/>
           <a:p>
             <a:r>
-              <a:rPr lang="fr-FR" dirty="0" smtClean="0"/>
+              <a:rPr lang="fr-FR" dirty="0"/>
               <a:t>Pitch</a:t>
             </a:r>
-            <a:endParaRPr lang="fr-FR" dirty="0"/>
           </a:p>
         </p:txBody>
       </p:sp>
